--- a/e118_ionic_mixing_test/2023.10.17_ionic_mixing_results.pptx
+++ b/e118_ionic_mixing_test/2023.10.17_ionic_mixing_results.pptx
@@ -271,7 +271,7 @@
           <a:p>
             <a:fld id="{70C657AA-C5B8-47DD-BA5E-84B85563C266}" type="datetimeFigureOut">
               <a:rPr lang="en-GB" smtClean="0"/>
-              <a:t>24/10/2023</a:t>
+              <a:t>20/11/2023</a:t>
             </a:fld>
             <a:endParaRPr lang="en-GB"/>
           </a:p>
@@ -471,7 +471,7 @@
           <a:p>
             <a:fld id="{70C657AA-C5B8-47DD-BA5E-84B85563C266}" type="datetimeFigureOut">
               <a:rPr lang="en-GB" smtClean="0"/>
-              <a:t>24/10/2023</a:t>
+              <a:t>20/11/2023</a:t>
             </a:fld>
             <a:endParaRPr lang="en-GB"/>
           </a:p>
@@ -681,7 +681,7 @@
           <a:p>
             <a:fld id="{70C657AA-C5B8-47DD-BA5E-84B85563C266}" type="datetimeFigureOut">
               <a:rPr lang="en-GB" smtClean="0"/>
-              <a:t>24/10/2023</a:t>
+              <a:t>20/11/2023</a:t>
             </a:fld>
             <a:endParaRPr lang="en-GB"/>
           </a:p>
@@ -881,7 +881,7 @@
           <a:p>
             <a:fld id="{70C657AA-C5B8-47DD-BA5E-84B85563C266}" type="datetimeFigureOut">
               <a:rPr lang="en-GB" smtClean="0"/>
-              <a:t>24/10/2023</a:t>
+              <a:t>20/11/2023</a:t>
             </a:fld>
             <a:endParaRPr lang="en-GB"/>
           </a:p>
@@ -1157,7 +1157,7 @@
           <a:p>
             <a:fld id="{70C657AA-C5B8-47DD-BA5E-84B85563C266}" type="datetimeFigureOut">
               <a:rPr lang="en-GB" smtClean="0"/>
-              <a:t>24/10/2023</a:t>
+              <a:t>20/11/2023</a:t>
             </a:fld>
             <a:endParaRPr lang="en-GB"/>
           </a:p>
@@ -1425,7 +1425,7 @@
           <a:p>
             <a:fld id="{70C657AA-C5B8-47DD-BA5E-84B85563C266}" type="datetimeFigureOut">
               <a:rPr lang="en-GB" smtClean="0"/>
-              <a:t>24/10/2023</a:t>
+              <a:t>20/11/2023</a:t>
             </a:fld>
             <a:endParaRPr lang="en-GB"/>
           </a:p>
@@ -1840,7 +1840,7 @@
           <a:p>
             <a:fld id="{70C657AA-C5B8-47DD-BA5E-84B85563C266}" type="datetimeFigureOut">
               <a:rPr lang="en-GB" smtClean="0"/>
-              <a:t>24/10/2023</a:t>
+              <a:t>20/11/2023</a:t>
             </a:fld>
             <a:endParaRPr lang="en-GB"/>
           </a:p>
@@ -1982,7 +1982,7 @@
           <a:p>
             <a:fld id="{70C657AA-C5B8-47DD-BA5E-84B85563C266}" type="datetimeFigureOut">
               <a:rPr lang="en-GB" smtClean="0"/>
-              <a:t>24/10/2023</a:t>
+              <a:t>20/11/2023</a:t>
             </a:fld>
             <a:endParaRPr lang="en-GB"/>
           </a:p>
@@ -2095,7 +2095,7 @@
           <a:p>
             <a:fld id="{70C657AA-C5B8-47DD-BA5E-84B85563C266}" type="datetimeFigureOut">
               <a:rPr lang="en-GB" smtClean="0"/>
-              <a:t>24/10/2023</a:t>
+              <a:t>20/11/2023</a:t>
             </a:fld>
             <a:endParaRPr lang="en-GB"/>
           </a:p>
@@ -2408,7 +2408,7 @@
           <a:p>
             <a:fld id="{70C657AA-C5B8-47DD-BA5E-84B85563C266}" type="datetimeFigureOut">
               <a:rPr lang="en-GB" smtClean="0"/>
-              <a:t>24/10/2023</a:t>
+              <a:t>20/11/2023</a:t>
             </a:fld>
             <a:endParaRPr lang="en-GB"/>
           </a:p>
@@ -2697,7 +2697,7 @@
           <a:p>
             <a:fld id="{70C657AA-C5B8-47DD-BA5E-84B85563C266}" type="datetimeFigureOut">
               <a:rPr lang="en-GB" smtClean="0"/>
-              <a:t>24/10/2023</a:t>
+              <a:t>20/11/2023</a:t>
             </a:fld>
             <a:endParaRPr lang="en-GB"/>
           </a:p>
@@ -2940,7 +2940,7 @@
           <a:p>
             <a:fld id="{70C657AA-C5B8-47DD-BA5E-84B85563C266}" type="datetimeFigureOut">
               <a:rPr lang="en-GB" smtClean="0"/>
-              <a:t>24/10/2023</a:t>
+              <a:t>20/11/2023</a:t>
             </a:fld>
             <a:endParaRPr lang="en-GB"/>
           </a:p>
@@ -5276,8 +5276,8 @@
           </p:sp>
         </mc:Fallback>
       </mc:AlternateContent>
-      <mc:AlternateContent xmlns:mc="http://schemas.openxmlformats.org/markup-compatibility/2006">
-        <mc:Choice xmlns:a14="http://schemas.microsoft.com/office/drawing/2010/main" Requires="a14">
+      <mc:AlternateContent xmlns:mc="http://schemas.openxmlformats.org/markup-compatibility/2006" xmlns:a14="http://schemas.microsoft.com/office/drawing/2010/main">
+        <mc:Choice Requires="a14">
           <p:sp>
             <p:nvSpPr>
               <p:cNvPr id="5" name="Content Placeholder 2">
@@ -5544,7 +5544,7 @@
             </p:txBody>
           </p:sp>
         </mc:Choice>
-        <mc:Fallback>
+        <mc:Fallback xmlns="">
           <p:sp>
             <p:nvSpPr>
               <p:cNvPr id="5" name="Content Placeholder 2">
@@ -5589,8 +5589,8 @@
           </p:sp>
         </mc:Fallback>
       </mc:AlternateContent>
-      <mc:AlternateContent xmlns:mc="http://schemas.openxmlformats.org/markup-compatibility/2006">
-        <mc:Choice xmlns:a14="http://schemas.microsoft.com/office/drawing/2010/main" Requires="a14">
+      <mc:AlternateContent xmlns:mc="http://schemas.openxmlformats.org/markup-compatibility/2006" xmlns:a14="http://schemas.microsoft.com/office/drawing/2010/main">
+        <mc:Choice Requires="a14">
           <p:sp>
             <p:nvSpPr>
               <p:cNvPr id="6" name="Content Placeholder 2">
@@ -5890,7 +5890,7 @@
             </p:txBody>
           </p:sp>
         </mc:Choice>
-        <mc:Fallback>
+        <mc:Fallback xmlns="">
           <p:sp>
             <p:nvSpPr>
               <p:cNvPr id="6" name="Content Placeholder 2">
@@ -6007,8 +6007,8 @@
           </a:p>
         </p:txBody>
       </p:sp>
-      <mc:AlternateContent xmlns:mc="http://schemas.openxmlformats.org/markup-compatibility/2006">
-        <mc:Choice xmlns:a14="http://schemas.microsoft.com/office/drawing/2010/main" Requires="a14">
+      <mc:AlternateContent xmlns:mc="http://schemas.openxmlformats.org/markup-compatibility/2006" xmlns:a14="http://schemas.microsoft.com/office/drawing/2010/main">
+        <mc:Choice Requires="a14">
           <p:sp>
             <p:nvSpPr>
               <p:cNvPr id="15" name="TextBox 14">
@@ -6068,7 +6068,7 @@
             </p:txBody>
           </p:sp>
         </mc:Choice>
-        <mc:Fallback>
+        <mc:Fallback xmlns="">
           <p:sp>
             <p:nvSpPr>
               <p:cNvPr id="15" name="TextBox 14">
@@ -8250,8 +8250,8 @@
             </p:nvSpPr>
             <p:spPr>
               <a:xfrm rot="16200000">
-                <a:off x="4990810" y="3719430"/>
-                <a:ext cx="2293321" cy="905312"/>
+                <a:off x="4232217" y="3459361"/>
+                <a:ext cx="4041656" cy="634661"/>
               </a:xfrm>
               <a:prstGeom prst="rect">
                 <a:avLst/>
@@ -8373,8 +8373,8 @@
             </p:nvSpPr>
             <p:spPr>
               <a:xfrm rot="16200000">
-                <a:off x="4990810" y="3719430"/>
-                <a:ext cx="2293321" cy="905312"/>
+                <a:off x="4232217" y="3459361"/>
+                <a:ext cx="4041656" cy="634661"/>
               </a:xfrm>
               <a:prstGeom prst="rect">
                 <a:avLst/>
@@ -8382,7 +8382,7 @@
               <a:blipFill>
                 <a:blip r:embed="rId4"/>
                 <a:stretch>
-                  <a:fillRect t="-5319"/>
+                  <a:fillRect/>
                 </a:stretch>
               </a:blipFill>
             </p:spPr>
